--- a/Data_and_Figures/Fig_Tests/Master_Lattice.pptx
+++ b/Data_and_Figures/Fig_Tests/Master_Lattice.pptx
@@ -263,7 +263,7 @@
           <a:p>
             <a:fld id="{7C813C82-52AF-6C46-ABD1-A11566E99FEC}" type="datetimeFigureOut">
               <a:rPr lang="en-US" smtClean="0"/>
-              <a:t>9/12/22</a:t>
+              <a:t>8/9/24</a:t>
             </a:fld>
             <a:endParaRPr lang="en-US"/>
           </a:p>
@@ -463,7 +463,7 @@
           <a:p>
             <a:fld id="{7C813C82-52AF-6C46-ABD1-A11566E99FEC}" type="datetimeFigureOut">
               <a:rPr lang="en-US" smtClean="0"/>
-              <a:t>9/12/22</a:t>
+              <a:t>8/9/24</a:t>
             </a:fld>
             <a:endParaRPr lang="en-US"/>
           </a:p>
@@ -673,7 +673,7 @@
           <a:p>
             <a:fld id="{7C813C82-52AF-6C46-ABD1-A11566E99FEC}" type="datetimeFigureOut">
               <a:rPr lang="en-US" smtClean="0"/>
-              <a:t>9/12/22</a:t>
+              <a:t>8/9/24</a:t>
             </a:fld>
             <a:endParaRPr lang="en-US"/>
           </a:p>
@@ -873,7 +873,7 @@
           <a:p>
             <a:fld id="{7C813C82-52AF-6C46-ABD1-A11566E99FEC}" type="datetimeFigureOut">
               <a:rPr lang="en-US" smtClean="0"/>
-              <a:t>9/12/22</a:t>
+              <a:t>8/9/24</a:t>
             </a:fld>
             <a:endParaRPr lang="en-US"/>
           </a:p>
@@ -1149,7 +1149,7 @@
           <a:p>
             <a:fld id="{7C813C82-52AF-6C46-ABD1-A11566E99FEC}" type="datetimeFigureOut">
               <a:rPr lang="en-US" smtClean="0"/>
-              <a:t>9/12/22</a:t>
+              <a:t>8/9/24</a:t>
             </a:fld>
             <a:endParaRPr lang="en-US"/>
           </a:p>
@@ -1417,7 +1417,7 @@
           <a:p>
             <a:fld id="{7C813C82-52AF-6C46-ABD1-A11566E99FEC}" type="datetimeFigureOut">
               <a:rPr lang="en-US" smtClean="0"/>
-              <a:t>9/12/22</a:t>
+              <a:t>8/9/24</a:t>
             </a:fld>
             <a:endParaRPr lang="en-US"/>
           </a:p>
@@ -1832,7 +1832,7 @@
           <a:p>
             <a:fld id="{7C813C82-52AF-6C46-ABD1-A11566E99FEC}" type="datetimeFigureOut">
               <a:rPr lang="en-US" smtClean="0"/>
-              <a:t>9/12/22</a:t>
+              <a:t>8/9/24</a:t>
             </a:fld>
             <a:endParaRPr lang="en-US"/>
           </a:p>
@@ -1974,7 +1974,7 @@
           <a:p>
             <a:fld id="{7C813C82-52AF-6C46-ABD1-A11566E99FEC}" type="datetimeFigureOut">
               <a:rPr lang="en-US" smtClean="0"/>
-              <a:t>9/12/22</a:t>
+              <a:t>8/9/24</a:t>
             </a:fld>
             <a:endParaRPr lang="en-US"/>
           </a:p>
@@ -2087,7 +2087,7 @@
           <a:p>
             <a:fld id="{7C813C82-52AF-6C46-ABD1-A11566E99FEC}" type="datetimeFigureOut">
               <a:rPr lang="en-US" smtClean="0"/>
-              <a:t>9/12/22</a:t>
+              <a:t>8/9/24</a:t>
             </a:fld>
             <a:endParaRPr lang="en-US"/>
           </a:p>
@@ -2400,7 +2400,7 @@
           <a:p>
             <a:fld id="{7C813C82-52AF-6C46-ABD1-A11566E99FEC}" type="datetimeFigureOut">
               <a:rPr lang="en-US" smtClean="0"/>
-              <a:t>9/12/22</a:t>
+              <a:t>8/9/24</a:t>
             </a:fld>
             <a:endParaRPr lang="en-US"/>
           </a:p>
@@ -2689,7 +2689,7 @@
           <a:p>
             <a:fld id="{7C813C82-52AF-6C46-ABD1-A11566E99FEC}" type="datetimeFigureOut">
               <a:rPr lang="en-US" smtClean="0"/>
-              <a:t>9/12/22</a:t>
+              <a:t>8/9/24</a:t>
             </a:fld>
             <a:endParaRPr lang="en-US"/>
           </a:p>
@@ -2932,7 +2932,7 @@
           <a:p>
             <a:fld id="{7C813C82-52AF-6C46-ABD1-A11566E99FEC}" type="datetimeFigureOut">
               <a:rPr lang="en-US" smtClean="0"/>
-              <a:t>9/12/22</a:t>
+              <a:t>8/9/24</a:t>
             </a:fld>
             <a:endParaRPr lang="en-US"/>
           </a:p>
@@ -4493,6 +4493,339 @@
           </a:p>
         </p:txBody>
       </p:sp>
+      <p:pic>
+        <p:nvPicPr>
+          <p:cNvPr id="3" name="Picture 2">
+            <a:extLst>
+              <a:ext uri="{FF2B5EF4-FFF2-40B4-BE49-F238E27FC236}">
+                <a16:creationId xmlns:a16="http://schemas.microsoft.com/office/drawing/2014/main" id="{152D5634-2E53-DFFF-1489-247D420CE463}"/>
+              </a:ext>
+            </a:extLst>
+          </p:cNvPr>
+          <p:cNvPicPr>
+            <a:picLocks noChangeAspect="1"/>
+          </p:cNvPicPr>
+          <p:nvPr/>
+        </p:nvPicPr>
+        <p:blipFill>
+          <a:blip r:embed="rId6"/>
+          <a:stretch>
+            <a:fillRect/>
+          </a:stretch>
+        </p:blipFill>
+        <p:spPr>
+          <a:xfrm>
+            <a:off x="5965919" y="3999186"/>
+            <a:ext cx="3083490" cy="2466792"/>
+          </a:xfrm>
+          <a:prstGeom prst="rect">
+            <a:avLst/>
+          </a:prstGeom>
+        </p:spPr>
+      </p:pic>
+      <p:pic>
+        <p:nvPicPr>
+          <p:cNvPr id="7" name="Picture 6">
+            <a:extLst>
+              <a:ext uri="{FF2B5EF4-FFF2-40B4-BE49-F238E27FC236}">
+                <a16:creationId xmlns:a16="http://schemas.microsoft.com/office/drawing/2014/main" id="{07084560-4C58-817C-58DD-714018E95F5B}"/>
+              </a:ext>
+            </a:extLst>
+          </p:cNvPr>
+          <p:cNvPicPr>
+            <a:picLocks noChangeAspect="1"/>
+          </p:cNvPicPr>
+          <p:nvPr/>
+        </p:nvPicPr>
+        <p:blipFill>
+          <a:blip r:embed="rId4"/>
+          <a:stretch>
+            <a:fillRect/>
+          </a:stretch>
+        </p:blipFill>
+        <p:spPr>
+          <a:xfrm>
+            <a:off x="6347658" y="4796723"/>
+            <a:ext cx="1392078" cy="1113662"/>
+          </a:xfrm>
+          <a:prstGeom prst="rect">
+            <a:avLst/>
+          </a:prstGeom>
+        </p:spPr>
+      </p:pic>
+      <p:sp>
+        <p:nvSpPr>
+          <p:cNvPr id="8" name="Triangle 7">
+            <a:extLst>
+              <a:ext uri="{FF2B5EF4-FFF2-40B4-BE49-F238E27FC236}">
+                <a16:creationId xmlns:a16="http://schemas.microsoft.com/office/drawing/2014/main" id="{FB526C09-5264-9D9D-6835-107159780F8B}"/>
+              </a:ext>
+            </a:extLst>
+          </p:cNvPr>
+          <p:cNvSpPr/>
+          <p:nvPr/>
+        </p:nvSpPr>
+        <p:spPr>
+          <a:xfrm>
+            <a:off x="6406303" y="4615114"/>
+            <a:ext cx="108000" cy="108000"/>
+          </a:xfrm>
+          <a:prstGeom prst="triangle">
+            <a:avLst/>
+          </a:prstGeom>
+          <a:solidFill>
+            <a:schemeClr val="accent2"/>
+          </a:solidFill>
+          <a:ln>
+            <a:noFill/>
+          </a:ln>
+        </p:spPr>
+        <p:style>
+          <a:lnRef idx="2">
+            <a:schemeClr val="accent1">
+              <a:shade val="50000"/>
+            </a:schemeClr>
+          </a:lnRef>
+          <a:fillRef idx="1">
+            <a:schemeClr val="accent1"/>
+          </a:fillRef>
+          <a:effectRef idx="0">
+            <a:schemeClr val="accent1"/>
+          </a:effectRef>
+          <a:fontRef idx="minor">
+            <a:schemeClr val="lt1"/>
+          </a:fontRef>
+        </p:style>
+        <p:txBody>
+          <a:bodyPr rtlCol="0" anchor="ctr"/>
+          <a:lstStyle/>
+          <a:p>
+            <a:pPr algn="ctr"/>
+            <a:endParaRPr lang="en-US" dirty="0"/>
+          </a:p>
+        </p:txBody>
+      </p:sp>
+      <p:sp>
+        <p:nvSpPr>
+          <p:cNvPr id="9" name="Rectangle 8">
+            <a:extLst>
+              <a:ext uri="{FF2B5EF4-FFF2-40B4-BE49-F238E27FC236}">
+                <a16:creationId xmlns:a16="http://schemas.microsoft.com/office/drawing/2014/main" id="{355E0563-160B-DEBB-7559-E137BA4CB5BC}"/>
+              </a:ext>
+            </a:extLst>
+          </p:cNvPr>
+          <p:cNvSpPr/>
+          <p:nvPr/>
+        </p:nvSpPr>
+        <p:spPr>
+          <a:xfrm>
+            <a:off x="8580433" y="4570114"/>
+            <a:ext cx="94624" cy="90000"/>
+          </a:xfrm>
+          <a:prstGeom prst="rect">
+            <a:avLst/>
+          </a:prstGeom>
+          <a:solidFill>
+            <a:schemeClr val="accent2"/>
+          </a:solidFill>
+          <a:ln>
+            <a:noFill/>
+          </a:ln>
+        </p:spPr>
+        <p:style>
+          <a:lnRef idx="2">
+            <a:schemeClr val="accent1">
+              <a:shade val="50000"/>
+            </a:schemeClr>
+          </a:lnRef>
+          <a:fillRef idx="1">
+            <a:schemeClr val="accent1"/>
+          </a:fillRef>
+          <a:effectRef idx="0">
+            <a:schemeClr val="accent1"/>
+          </a:effectRef>
+          <a:fontRef idx="minor">
+            <a:schemeClr val="lt1"/>
+          </a:fontRef>
+        </p:style>
+        <p:txBody>
+          <a:bodyPr rtlCol="0" anchor="ctr"/>
+          <a:lstStyle/>
+          <a:p>
+            <a:pPr algn="ctr"/>
+            <a:endParaRPr lang="en-US"/>
+          </a:p>
+        </p:txBody>
+      </p:sp>
+      <p:sp>
+        <p:nvSpPr>
+          <p:cNvPr id="11" name="Triangle 10">
+            <a:extLst>
+              <a:ext uri="{FF2B5EF4-FFF2-40B4-BE49-F238E27FC236}">
+                <a16:creationId xmlns:a16="http://schemas.microsoft.com/office/drawing/2014/main" id="{5B37800F-C94A-868A-842C-C371DB1416B6}"/>
+              </a:ext>
+            </a:extLst>
+          </p:cNvPr>
+          <p:cNvSpPr/>
+          <p:nvPr/>
+        </p:nvSpPr>
+        <p:spPr>
+          <a:xfrm>
+            <a:off x="6699185" y="5080608"/>
+            <a:ext cx="108000" cy="108000"/>
+          </a:xfrm>
+          <a:prstGeom prst="triangle">
+            <a:avLst/>
+          </a:prstGeom>
+          <a:solidFill>
+            <a:schemeClr val="accent2"/>
+          </a:solidFill>
+          <a:ln>
+            <a:noFill/>
+          </a:ln>
+        </p:spPr>
+        <p:style>
+          <a:lnRef idx="2">
+            <a:schemeClr val="accent1">
+              <a:shade val="50000"/>
+            </a:schemeClr>
+          </a:lnRef>
+          <a:fillRef idx="1">
+            <a:schemeClr val="accent1"/>
+          </a:fillRef>
+          <a:effectRef idx="0">
+            <a:schemeClr val="accent1"/>
+          </a:effectRef>
+          <a:fontRef idx="minor">
+            <a:schemeClr val="lt1"/>
+          </a:fontRef>
+        </p:style>
+        <p:txBody>
+          <a:bodyPr rtlCol="0" anchor="ctr"/>
+          <a:lstStyle/>
+          <a:p>
+            <a:pPr algn="ctr"/>
+            <a:endParaRPr lang="en-US"/>
+          </a:p>
+        </p:txBody>
+      </p:sp>
+      <p:pic>
+        <p:nvPicPr>
+          <p:cNvPr id="13" name="Picture 12">
+            <a:extLst>
+              <a:ext uri="{FF2B5EF4-FFF2-40B4-BE49-F238E27FC236}">
+                <a16:creationId xmlns:a16="http://schemas.microsoft.com/office/drawing/2014/main" id="{98DF56D4-1469-11C9-DD84-696FD3C577C2}"/>
+              </a:ext>
+            </a:extLst>
+          </p:cNvPr>
+          <p:cNvPicPr>
+            <a:picLocks noChangeAspect="1"/>
+          </p:cNvPicPr>
+          <p:nvPr/>
+        </p:nvPicPr>
+        <p:blipFill>
+          <a:blip r:embed="rId5"/>
+          <a:stretch>
+            <a:fillRect/>
+          </a:stretch>
+        </p:blipFill>
+        <p:spPr>
+          <a:xfrm>
+            <a:off x="7434466" y="4796723"/>
+            <a:ext cx="1392078" cy="1113662"/>
+          </a:xfrm>
+          <a:prstGeom prst="rect">
+            <a:avLst/>
+          </a:prstGeom>
+        </p:spPr>
+      </p:pic>
+      <p:sp>
+        <p:nvSpPr>
+          <p:cNvPr id="16" name="Rectangle 15">
+            <a:extLst>
+              <a:ext uri="{FF2B5EF4-FFF2-40B4-BE49-F238E27FC236}">
+                <a16:creationId xmlns:a16="http://schemas.microsoft.com/office/drawing/2014/main" id="{FD963C7B-CB47-CD68-6A80-EB5B611E5F08}"/>
+              </a:ext>
+            </a:extLst>
+          </p:cNvPr>
+          <p:cNvSpPr/>
+          <p:nvPr/>
+        </p:nvSpPr>
+        <p:spPr>
+          <a:xfrm>
+            <a:off x="7759191" y="5089608"/>
+            <a:ext cx="94624" cy="90000"/>
+          </a:xfrm>
+          <a:prstGeom prst="rect">
+            <a:avLst/>
+          </a:prstGeom>
+          <a:solidFill>
+            <a:schemeClr val="accent2"/>
+          </a:solidFill>
+          <a:ln>
+            <a:noFill/>
+          </a:ln>
+        </p:spPr>
+        <p:style>
+          <a:lnRef idx="2">
+            <a:schemeClr val="accent1">
+              <a:shade val="50000"/>
+            </a:schemeClr>
+          </a:lnRef>
+          <a:fillRef idx="1">
+            <a:schemeClr val="accent1"/>
+          </a:fillRef>
+          <a:effectRef idx="0">
+            <a:schemeClr val="accent1"/>
+          </a:effectRef>
+          <a:fontRef idx="minor">
+            <a:schemeClr val="lt1"/>
+          </a:fontRef>
+        </p:style>
+        <p:txBody>
+          <a:bodyPr rtlCol="0" anchor="ctr"/>
+          <a:lstStyle/>
+          <a:p>
+            <a:pPr algn="ctr"/>
+            <a:endParaRPr lang="en-US"/>
+          </a:p>
+        </p:txBody>
+      </p:sp>
+      <p:sp>
+        <p:nvSpPr>
+          <p:cNvPr id="17" name="TextBox 16">
+            <a:extLst>
+              <a:ext uri="{FF2B5EF4-FFF2-40B4-BE49-F238E27FC236}">
+                <a16:creationId xmlns:a16="http://schemas.microsoft.com/office/drawing/2014/main" id="{98E6A308-B15C-852B-4FB8-DDC591C97A8E}"/>
+              </a:ext>
+            </a:extLst>
+          </p:cNvPr>
+          <p:cNvSpPr txBox="1"/>
+          <p:nvPr/>
+        </p:nvSpPr>
+        <p:spPr>
+          <a:xfrm>
+            <a:off x="6600497" y="3429000"/>
+            <a:ext cx="882934" cy="369332"/>
+          </a:xfrm>
+          <a:prstGeom prst="rect">
+            <a:avLst/>
+          </a:prstGeom>
+          <a:noFill/>
+        </p:spPr>
+        <p:txBody>
+          <a:bodyPr wrap="none" rtlCol="0">
+            <a:spAutoFit/>
+          </a:bodyPr>
+          <a:lstStyle/>
+          <a:p>
+            <a:r>
+              <a:rPr lang="en-US" dirty="0"/>
+              <a:t>THESIS:</a:t>
+            </a:r>
+          </a:p>
+        </p:txBody>
+      </p:sp>
     </p:spTree>
     <p:extLst>
       <p:ext uri="{BB962C8B-B14F-4D97-AF65-F5344CB8AC3E}">
